--- a/Vom Buch zu Internet bzw E-Book.pptx
+++ b/Vom Buch zu Internet bzw E-Book.pptx
@@ -113,6 +113,11 @@
       </a:defRPr>
     </a:lvl9pPr>
   </p:defaultTextStyle>
+  <p:extLst>
+    <p:ext uri="{EFAFB233-063F-42B5-8137-9DF3F51BA10A}">
+      <p15:sldGuideLst xmlns:p15="http://schemas.microsoft.com/office/powerpoint/2012/main"/>
+    </p:ext>
+  </p:extLst>
 </p:presentation>
 </file>
 
@@ -1550,7 +1555,6 @@
               <a:rPr lang="de-DE"/>
               <a:t>Titelmasterformat durch Klicken bearbeiten</a:t>
             </a:r>
-            <a:endParaRPr lang="de-DE"/>
           </a:p>
         </p:txBody>
       </p:sp>
@@ -1615,7 +1619,6 @@
               <a:rPr lang="de-DE"/>
               <a:t>Formatvorlage des Untertitelmasters durch Klicken bearbeiten</a:t>
             </a:r>
-            <a:endParaRPr lang="de-DE"/>
           </a:p>
         </p:txBody>
       </p:sp>
@@ -1636,7 +1639,7 @@
           <a:p>
             <a:fld id="{271F7A9C-5B9B-468E-B1E1-7E4D07B4EB4E}" type="datetimeFigureOut">
               <a:rPr lang="de-DE" smtClean="0"/>
-              <a:t>15.11.2016</a:t>
+              <a:t>16.11.2016</a:t>
             </a:fld>
             <a:endParaRPr lang="de-DE"/>
           </a:p>
@@ -1733,7 +1736,6 @@
               <a:rPr lang="de-DE"/>
               <a:t>Titelmasterformat durch Klicken bearbeiten</a:t>
             </a:r>
-            <a:endParaRPr lang="de-DE"/>
           </a:p>
         </p:txBody>
       </p:sp>
@@ -1785,7 +1787,6 @@
               <a:rPr lang="de-DE"/>
               <a:t>Fünfte Ebene</a:t>
             </a:r>
-            <a:endParaRPr lang="de-DE"/>
           </a:p>
         </p:txBody>
       </p:sp>
@@ -1806,7 +1807,7 @@
           <a:p>
             <a:fld id="{271F7A9C-5B9B-468E-B1E1-7E4D07B4EB4E}" type="datetimeFigureOut">
               <a:rPr lang="de-DE" smtClean="0"/>
-              <a:t>15.11.2016</a:t>
+              <a:t>16.11.2016</a:t>
             </a:fld>
             <a:endParaRPr lang="de-DE"/>
           </a:p>
@@ -1908,7 +1909,6 @@
               <a:rPr lang="de-DE"/>
               <a:t>Titelmasterformat durch Klicken bearbeiten</a:t>
             </a:r>
-            <a:endParaRPr lang="de-DE"/>
           </a:p>
         </p:txBody>
       </p:sp>
@@ -1965,7 +1965,6 @@
               <a:rPr lang="de-DE"/>
               <a:t>Fünfte Ebene</a:t>
             </a:r>
-            <a:endParaRPr lang="de-DE"/>
           </a:p>
         </p:txBody>
       </p:sp>
@@ -1986,7 +1985,7 @@
           <a:p>
             <a:fld id="{271F7A9C-5B9B-468E-B1E1-7E4D07B4EB4E}" type="datetimeFigureOut">
               <a:rPr lang="de-DE" smtClean="0"/>
-              <a:t>15.11.2016</a:t>
+              <a:t>16.11.2016</a:t>
             </a:fld>
             <a:endParaRPr lang="de-DE"/>
           </a:p>
@@ -2083,7 +2082,6 @@
               <a:rPr lang="de-DE"/>
               <a:t>Titelmasterformat durch Klicken bearbeiten</a:t>
             </a:r>
-            <a:endParaRPr lang="de-DE"/>
           </a:p>
         </p:txBody>
       </p:sp>
@@ -2135,7 +2133,6 @@
               <a:rPr lang="de-DE"/>
               <a:t>Fünfte Ebene</a:t>
             </a:r>
-            <a:endParaRPr lang="de-DE"/>
           </a:p>
         </p:txBody>
       </p:sp>
@@ -2156,7 +2153,7 @@
           <a:p>
             <a:fld id="{271F7A9C-5B9B-468E-B1E1-7E4D07B4EB4E}" type="datetimeFigureOut">
               <a:rPr lang="de-DE" smtClean="0"/>
-              <a:t>15.11.2016</a:t>
+              <a:t>16.11.2016</a:t>
             </a:fld>
             <a:endParaRPr lang="de-DE"/>
           </a:p>
@@ -2262,7 +2259,6 @@
               <a:rPr lang="de-DE"/>
               <a:t>Titelmasterformat durch Klicken bearbeiten</a:t>
             </a:r>
-            <a:endParaRPr lang="de-DE"/>
           </a:p>
         </p:txBody>
       </p:sp>
@@ -2402,7 +2398,7 @@
           <a:p>
             <a:fld id="{271F7A9C-5B9B-468E-B1E1-7E4D07B4EB4E}" type="datetimeFigureOut">
               <a:rPr lang="de-DE" smtClean="0"/>
-              <a:t>15.11.2016</a:t>
+              <a:t>16.11.2016</a:t>
             </a:fld>
             <a:endParaRPr lang="de-DE"/>
           </a:p>
@@ -2499,7 +2495,6 @@
               <a:rPr lang="de-DE"/>
               <a:t>Titelmasterformat durch Klicken bearbeiten</a:t>
             </a:r>
-            <a:endParaRPr lang="de-DE"/>
           </a:p>
         </p:txBody>
       </p:sp>
@@ -2556,7 +2551,6 @@
               <a:rPr lang="de-DE"/>
               <a:t>Fünfte Ebene</a:t>
             </a:r>
-            <a:endParaRPr lang="de-DE"/>
           </a:p>
         </p:txBody>
       </p:sp>
@@ -2613,7 +2607,6 @@
               <a:rPr lang="de-DE"/>
               <a:t>Fünfte Ebene</a:t>
             </a:r>
-            <a:endParaRPr lang="de-DE"/>
           </a:p>
         </p:txBody>
       </p:sp>
@@ -2634,7 +2627,7 @@
           <a:p>
             <a:fld id="{271F7A9C-5B9B-468E-B1E1-7E4D07B4EB4E}" type="datetimeFigureOut">
               <a:rPr lang="de-DE" smtClean="0"/>
-              <a:t>15.11.2016</a:t>
+              <a:t>16.11.2016</a:t>
             </a:fld>
             <a:endParaRPr lang="de-DE"/>
           </a:p>
@@ -2736,7 +2729,6 @@
               <a:rPr lang="de-DE"/>
               <a:t>Titelmasterformat durch Klicken bearbeiten</a:t>
             </a:r>
-            <a:endParaRPr lang="de-DE"/>
           </a:p>
         </p:txBody>
       </p:sp>
@@ -2858,7 +2850,6 @@
               <a:rPr lang="de-DE"/>
               <a:t>Fünfte Ebene</a:t>
             </a:r>
-            <a:endParaRPr lang="de-DE"/>
           </a:p>
         </p:txBody>
       </p:sp>
@@ -2980,7 +2971,6 @@
               <a:rPr lang="de-DE"/>
               <a:t>Fünfte Ebene</a:t>
             </a:r>
-            <a:endParaRPr lang="de-DE"/>
           </a:p>
         </p:txBody>
       </p:sp>
@@ -3001,7 +2991,7 @@
           <a:p>
             <a:fld id="{271F7A9C-5B9B-468E-B1E1-7E4D07B4EB4E}" type="datetimeFigureOut">
               <a:rPr lang="de-DE" smtClean="0"/>
-              <a:t>15.11.2016</a:t>
+              <a:t>16.11.2016</a:t>
             </a:fld>
             <a:endParaRPr lang="de-DE"/>
           </a:p>
@@ -3098,7 +3088,6 @@
               <a:rPr lang="de-DE"/>
               <a:t>Titelmasterformat durch Klicken bearbeiten</a:t>
             </a:r>
-            <a:endParaRPr lang="de-DE"/>
           </a:p>
         </p:txBody>
       </p:sp>
@@ -3119,7 +3108,7 @@
           <a:p>
             <a:fld id="{271F7A9C-5B9B-468E-B1E1-7E4D07B4EB4E}" type="datetimeFigureOut">
               <a:rPr lang="de-DE" smtClean="0"/>
-              <a:t>15.11.2016</a:t>
+              <a:t>16.11.2016</a:t>
             </a:fld>
             <a:endParaRPr lang="de-DE"/>
           </a:p>
@@ -3214,7 +3203,7 @@
           <a:p>
             <a:fld id="{271F7A9C-5B9B-468E-B1E1-7E4D07B4EB4E}" type="datetimeFigureOut">
               <a:rPr lang="de-DE" smtClean="0"/>
-              <a:t>15.11.2016</a:t>
+              <a:t>16.11.2016</a:t>
             </a:fld>
             <a:endParaRPr lang="de-DE"/>
           </a:p>
@@ -3320,7 +3309,6 @@
               <a:rPr lang="de-DE"/>
               <a:t>Titelmasterformat durch Klicken bearbeiten</a:t>
             </a:r>
-            <a:endParaRPr lang="de-DE"/>
           </a:p>
         </p:txBody>
       </p:sp>
@@ -3405,7 +3393,6 @@
               <a:rPr lang="de-DE"/>
               <a:t>Fünfte Ebene</a:t>
             </a:r>
-            <a:endParaRPr lang="de-DE"/>
           </a:p>
         </p:txBody>
       </p:sp>
@@ -3491,7 +3478,7 @@
           <a:p>
             <a:fld id="{271F7A9C-5B9B-468E-B1E1-7E4D07B4EB4E}" type="datetimeFigureOut">
               <a:rPr lang="de-DE" smtClean="0"/>
-              <a:t>15.11.2016</a:t>
+              <a:t>16.11.2016</a:t>
             </a:fld>
             <a:endParaRPr lang="de-DE"/>
           </a:p>
@@ -3597,7 +3584,6 @@
               <a:rPr lang="de-DE"/>
               <a:t>Titelmasterformat durch Klicken bearbeiten</a:t>
             </a:r>
-            <a:endParaRPr lang="de-DE"/>
           </a:p>
         </p:txBody>
       </p:sp>
@@ -3744,7 +3730,7 @@
           <a:p>
             <a:fld id="{271F7A9C-5B9B-468E-B1E1-7E4D07B4EB4E}" type="datetimeFigureOut">
               <a:rPr lang="de-DE" smtClean="0"/>
-              <a:t>15.11.2016</a:t>
+              <a:t>16.11.2016</a:t>
             </a:fld>
             <a:endParaRPr lang="de-DE"/>
           </a:p>
@@ -3856,7 +3842,6 @@
               <a:rPr lang="de-DE"/>
               <a:t>Titelmasterformat durch Klicken bearbeiten</a:t>
             </a:r>
-            <a:endParaRPr lang="de-DE"/>
           </a:p>
         </p:txBody>
       </p:sp>
@@ -3918,7 +3903,6 @@
               <a:rPr lang="de-DE"/>
               <a:t>Fünfte Ebene</a:t>
             </a:r>
-            <a:endParaRPr lang="de-DE"/>
           </a:p>
         </p:txBody>
       </p:sp>
@@ -3957,7 +3941,7 @@
           <a:p>
             <a:fld id="{271F7A9C-5B9B-468E-B1E1-7E4D07B4EB4E}" type="datetimeFigureOut">
               <a:rPr lang="de-DE" smtClean="0"/>
-              <a:t>15.11.2016</a:t>
+              <a:t>16.11.2016</a:t>
             </a:fld>
             <a:endParaRPr lang="de-DE"/>
           </a:p>
@@ -4384,21 +4368,8 @@
           <a:p>
             <a:r>
               <a:rPr lang="de-DE" dirty="0"/>
-              <a:t>Vom Buch zum </a:t>
-            </a:r>
-            <a:r>
-              <a:rPr lang="de-DE" dirty="0"/>
-              <a:t>Internet</a:t>
-            </a:r>
-            <a:r>
-              <a:rPr lang="de-DE" dirty="0"/>
-              <a:t>/ </a:t>
-            </a:r>
-            <a:r>
-              <a:rPr lang="de-DE" dirty="0"/>
-              <a:t>E-Book</a:t>
-            </a:r>
-            <a:endParaRPr lang="de-DE" dirty="0"/>
+              <a:t>Vom Buch zum Internet/ E-Book</a:t>
+            </a:r>
           </a:p>
         </p:txBody>
       </p:sp>
@@ -4442,21 +4413,8 @@
                   <a:prstClr val="black"/>
                 </a:solidFill>
               </a:rPr>
-              <a:t>Vorteile von </a:t>
-            </a:r>
-            <a:r>
-              <a:rPr lang="de-DE" dirty="0">
-                <a:solidFill>
-                  <a:prstClr val="black"/>
-                </a:solidFill>
-              </a:rPr>
-              <a:t>Internet</a:t>
-            </a:r>
-            <a:endParaRPr lang="de-DE" dirty="0">
-              <a:solidFill>
-                <a:prstClr val="black"/>
-              </a:solidFill>
-            </a:endParaRPr>
+              <a:t>Vorteile von Internet</a:t>
+            </a:r>
           </a:p>
           <a:p>
             <a:pPr lvl="0" algn="l"/>
@@ -5017,7 +4975,6 @@
               <a:rPr lang="de-DE" dirty="0"/>
               <a:t>Lern- und Fachbibliotheken mit wissenschaftlichen Büchern werden erhalten bleiben</a:t>
             </a:r>
-            <a:endParaRPr lang="de-DE" dirty="0"/>
           </a:p>
           <a:p>
             <a:endParaRPr lang="de-DE" dirty="0"/>

--- a/Vom Buch zu Internet bzw E-Book.pptx
+++ b/Vom Buch zu Internet bzw E-Book.pptx
@@ -1639,7 +1639,7 @@
           <a:p>
             <a:fld id="{271F7A9C-5B9B-468E-B1E1-7E4D07B4EB4E}" type="datetimeFigureOut">
               <a:rPr lang="de-DE" smtClean="0"/>
-              <a:t>16.11.2016</a:t>
+              <a:t>20.11.2016</a:t>
             </a:fld>
             <a:endParaRPr lang="de-DE"/>
           </a:p>
@@ -1807,7 +1807,7 @@
           <a:p>
             <a:fld id="{271F7A9C-5B9B-468E-B1E1-7E4D07B4EB4E}" type="datetimeFigureOut">
               <a:rPr lang="de-DE" smtClean="0"/>
-              <a:t>16.11.2016</a:t>
+              <a:t>20.11.2016</a:t>
             </a:fld>
             <a:endParaRPr lang="de-DE"/>
           </a:p>
@@ -1985,7 +1985,7 @@
           <a:p>
             <a:fld id="{271F7A9C-5B9B-468E-B1E1-7E4D07B4EB4E}" type="datetimeFigureOut">
               <a:rPr lang="de-DE" smtClean="0"/>
-              <a:t>16.11.2016</a:t>
+              <a:t>20.11.2016</a:t>
             </a:fld>
             <a:endParaRPr lang="de-DE"/>
           </a:p>
@@ -2153,7 +2153,7 @@
           <a:p>
             <a:fld id="{271F7A9C-5B9B-468E-B1E1-7E4D07B4EB4E}" type="datetimeFigureOut">
               <a:rPr lang="de-DE" smtClean="0"/>
-              <a:t>16.11.2016</a:t>
+              <a:t>20.11.2016</a:t>
             </a:fld>
             <a:endParaRPr lang="de-DE"/>
           </a:p>
@@ -2398,7 +2398,7 @@
           <a:p>
             <a:fld id="{271F7A9C-5B9B-468E-B1E1-7E4D07B4EB4E}" type="datetimeFigureOut">
               <a:rPr lang="de-DE" smtClean="0"/>
-              <a:t>16.11.2016</a:t>
+              <a:t>20.11.2016</a:t>
             </a:fld>
             <a:endParaRPr lang="de-DE"/>
           </a:p>
@@ -2627,7 +2627,7 @@
           <a:p>
             <a:fld id="{271F7A9C-5B9B-468E-B1E1-7E4D07B4EB4E}" type="datetimeFigureOut">
               <a:rPr lang="de-DE" smtClean="0"/>
-              <a:t>16.11.2016</a:t>
+              <a:t>20.11.2016</a:t>
             </a:fld>
             <a:endParaRPr lang="de-DE"/>
           </a:p>
@@ -2991,7 +2991,7 @@
           <a:p>
             <a:fld id="{271F7A9C-5B9B-468E-B1E1-7E4D07B4EB4E}" type="datetimeFigureOut">
               <a:rPr lang="de-DE" smtClean="0"/>
-              <a:t>16.11.2016</a:t>
+              <a:t>20.11.2016</a:t>
             </a:fld>
             <a:endParaRPr lang="de-DE"/>
           </a:p>
@@ -3108,7 +3108,7 @@
           <a:p>
             <a:fld id="{271F7A9C-5B9B-468E-B1E1-7E4D07B4EB4E}" type="datetimeFigureOut">
               <a:rPr lang="de-DE" smtClean="0"/>
-              <a:t>16.11.2016</a:t>
+              <a:t>20.11.2016</a:t>
             </a:fld>
             <a:endParaRPr lang="de-DE"/>
           </a:p>
@@ -3203,7 +3203,7 @@
           <a:p>
             <a:fld id="{271F7A9C-5B9B-468E-B1E1-7E4D07B4EB4E}" type="datetimeFigureOut">
               <a:rPr lang="de-DE" smtClean="0"/>
-              <a:t>16.11.2016</a:t>
+              <a:t>20.11.2016</a:t>
             </a:fld>
             <a:endParaRPr lang="de-DE"/>
           </a:p>
@@ -3478,7 +3478,7 @@
           <a:p>
             <a:fld id="{271F7A9C-5B9B-468E-B1E1-7E4D07B4EB4E}" type="datetimeFigureOut">
               <a:rPr lang="de-DE" smtClean="0"/>
-              <a:t>16.11.2016</a:t>
+              <a:t>20.11.2016</a:t>
             </a:fld>
             <a:endParaRPr lang="de-DE"/>
           </a:p>
@@ -3730,7 +3730,7 @@
           <a:p>
             <a:fld id="{271F7A9C-5B9B-468E-B1E1-7E4D07B4EB4E}" type="datetimeFigureOut">
               <a:rPr lang="de-DE" smtClean="0"/>
-              <a:t>16.11.2016</a:t>
+              <a:t>20.11.2016</a:t>
             </a:fld>
             <a:endParaRPr lang="de-DE"/>
           </a:p>
@@ -3941,7 +3941,7 @@
           <a:p>
             <a:fld id="{271F7A9C-5B9B-468E-B1E1-7E4D07B4EB4E}" type="datetimeFigureOut">
               <a:rPr lang="de-DE" smtClean="0"/>
-              <a:t>16.11.2016</a:t>
+              <a:t>20.11.2016</a:t>
             </a:fld>
             <a:endParaRPr lang="de-DE"/>
           </a:p>
@@ -5048,7 +5048,7 @@
             <p:ph idx="1"/>
             <p:extLst>
               <p:ext uri="{D42A27DB-BD31-4B8C-83A1-F6EECF244321}">
-                <p14:modId xmlns:p14="http://schemas.microsoft.com/office/powerpoint/2010/main" val="829091696"/>
+                <p14:modId xmlns:p14="http://schemas.microsoft.com/office/powerpoint/2010/main" val="2112643195"/>
               </p:ext>
             </p:extLst>
           </p:nvPr>
